--- a/OMS_v05.pptx
+++ b/OMS_v05.pptx
@@ -13901,10 +13901,15 @@
             <p:ph type="subTitle" idx="1"/>
           </p:nvPr>
         </p:nvSpPr>
-        <p:spPr/>
+        <p:spPr>
+          <a:xfrm>
+            <a:off x="1876424" y="3593074"/>
+            <a:ext cx="8791575" cy="2117444"/>
+          </a:xfrm>
+        </p:spPr>
         <p:txBody>
           <a:bodyPr>
-            <a:normAutofit fontScale="92500" lnSpcReduction="20000"/>
+            <a:normAutofit fontScale="92500" lnSpcReduction="10000"/>
           </a:bodyPr>
           <a:lstStyle/>
           <a:p>
@@ -13926,12 +13931,43 @@
               <a:rPr lang="en-US" sz="1600" dirty="0" smtClean="0"/>
             </a:br>
             <a:r>
+              <a:rPr lang="en-US" sz="1600" dirty="0" smtClean="0">
+                <a:solidFill>
+                  <a:schemeClr val="bg1"/>
+                </a:solidFill>
+              </a:rPr>
+              <a:t>Alexander </a:t>
+            </a:r>
+            <a:r>
               <a:rPr lang="en-US" sz="1600" dirty="0" err="1" smtClean="0">
                 <a:solidFill>
                   <a:schemeClr val="bg1"/>
                 </a:solidFill>
               </a:rPr>
-              <a:t>Fei</a:t>
+              <a:t>MurgocI</a:t>
+            </a:r>
+            <a:r>
+              <a:rPr lang="en-US" sz="1600" dirty="0">
+                <a:solidFill>
+                  <a:schemeClr val="bg1"/>
+                </a:solidFill>
+              </a:rPr>
+              <a:t/>
+            </a:r>
+            <a:br>
+              <a:rPr lang="en-US" sz="1600" dirty="0">
+                <a:solidFill>
+                  <a:schemeClr val="bg1"/>
+                </a:solidFill>
+              </a:rPr>
+            </a:br>
+            <a:r>
+              <a:rPr lang="en-US" sz="1600" dirty="0" err="1" smtClean="0">
+                <a:solidFill>
+                  <a:schemeClr val="bg1"/>
+                </a:solidFill>
+              </a:rPr>
+              <a:t>BENEDIKT</a:t>
             </a:r>
             <a:r>
               <a:rPr lang="en-US" sz="1600" dirty="0" smtClean="0">
@@ -13939,10 +13975,26 @@
                   <a:schemeClr val="bg1"/>
                 </a:solidFill>
               </a:rPr>
-              <a:t> Liu</a:t>
+              <a:t> </a:t>
+            </a:r>
+            <a:r>
+              <a:rPr lang="en-US" sz="1600" dirty="0" err="1" smtClean="0">
+                <a:solidFill>
+                  <a:schemeClr val="bg1"/>
+                </a:solidFill>
+              </a:rPr>
+              <a:t>JÄGER</a:t>
+            </a:r>
+            <a:r>
+              <a:rPr lang="en-US" sz="1600" dirty="0">
+                <a:solidFill>
+                  <a:schemeClr val="bg1"/>
+                </a:solidFill>
+              </a:rPr>
+              <a:t/>
             </a:r>
             <a:br>
-              <a:rPr lang="en-US" sz="1600" dirty="0" smtClean="0">
+              <a:rPr lang="en-US" sz="1600" dirty="0">
                 <a:solidFill>
                   <a:schemeClr val="bg1"/>
                 </a:solidFill>
@@ -13962,7 +14014,30 @@
                   <a:schemeClr val="bg1"/>
                 </a:solidFill>
               </a:rPr>
-              <a:t>Meggle</a:t>
+              <a:t>MEGGLE</a:t>
+            </a:r>
+            <a:r>
+              <a:rPr lang="en-US" sz="1600" dirty="0">
+                <a:solidFill>
+                  <a:schemeClr val="bg1"/>
+                </a:solidFill>
+              </a:rPr>
+              <a:t/>
+            </a:r>
+            <a:br>
+              <a:rPr lang="en-US" sz="1600" dirty="0">
+                <a:solidFill>
+                  <a:schemeClr val="bg1"/>
+                </a:solidFill>
+              </a:rPr>
+            </a:br>
+            <a:r>
+              <a:rPr lang="en-US" sz="1600" dirty="0" err="1" smtClean="0">
+                <a:solidFill>
+                  <a:schemeClr val="bg1"/>
+                </a:solidFill>
+              </a:rPr>
+              <a:t>FEI</a:t>
             </a:r>
             <a:r>
               <a:rPr lang="en-US" sz="1600" dirty="0" smtClean="0">
@@ -13970,22 +14045,30 @@
                   <a:schemeClr val="bg1"/>
                 </a:solidFill>
               </a:rPr>
+              <a:t> LIU</a:t>
+            </a:r>
+            <a:r>
+              <a:rPr lang="en-US" sz="1600" dirty="0">
+                <a:solidFill>
+                  <a:schemeClr val="bg1"/>
+                </a:solidFill>
+              </a:rPr>
               <a:t/>
             </a:r>
             <a:br>
+              <a:rPr lang="en-US" sz="1600" dirty="0">
+                <a:solidFill>
+                  <a:schemeClr val="bg1"/>
+                </a:solidFill>
+              </a:rPr>
+            </a:br>
+            <a:r>
               <a:rPr lang="en-US" sz="1600" dirty="0" smtClean="0">
                 <a:solidFill>
                   <a:schemeClr val="bg1"/>
                 </a:solidFill>
               </a:rPr>
-            </a:br>
-            <a:r>
-              <a:rPr lang="en-US" sz="1600" dirty="0" smtClean="0">
-                <a:solidFill>
-                  <a:schemeClr val="bg1"/>
-                </a:solidFill>
-              </a:rPr>
-              <a:t>Stefan </a:t>
+              <a:t>STEFAN </a:t>
             </a:r>
             <a:r>
               <a:rPr lang="en-US" sz="1600" dirty="0" err="1" smtClean="0">
@@ -13993,30 +14076,7 @@
                   <a:schemeClr val="bg1"/>
                 </a:solidFill>
               </a:rPr>
-              <a:t>Kreißl</a:t>
-            </a:r>
-            <a:r>
-              <a:rPr lang="en-US" sz="1600" dirty="0" smtClean="0">
-                <a:solidFill>
-                  <a:schemeClr val="bg1"/>
-                </a:solidFill>
-              </a:rPr>
-              <a:t/>
-            </a:r>
-            <a:br>
-              <a:rPr lang="en-US" sz="1600" dirty="0" smtClean="0">
-                <a:solidFill>
-                  <a:schemeClr val="bg1"/>
-                </a:solidFill>
-              </a:rPr>
-            </a:br>
-            <a:r>
-              <a:rPr lang="en-US" sz="1600" dirty="0">
-                <a:solidFill>
-                  <a:schemeClr val="bg1"/>
-                </a:solidFill>
-              </a:rPr>
-              <a:t>Alexander Murgoci</a:t>
+              <a:t>KREIßL</a:t>
             </a:r>
             <a:endParaRPr lang="en-US" sz="1600" dirty="0" smtClean="0">
               <a:solidFill>
@@ -14137,11 +14197,7 @@
             </a:r>
             <a:r>
               <a:rPr lang="en-US" dirty="0" smtClean="0"/>
-              <a:t>:</a:t>
-            </a:r>
-            <a:r>
-              <a:rPr lang="en-US" dirty="0" smtClean="0"/>
-              <a:t>	</a:t>
+              <a:t>:	</a:t>
             </a:r>
             <a:r>
               <a:rPr lang="en-US" dirty="0" err="1" smtClean="0"/>
@@ -14175,11 +14231,7 @@
             </a:pPr>
             <a:r>
               <a:rPr lang="en-US" dirty="0" smtClean="0"/>
-              <a:t>value:		</a:t>
-            </a:r>
-            <a:r>
-              <a:rPr lang="en-US" dirty="0" smtClean="0"/>
-              <a:t>100</a:t>
+              <a:t>value:		100</a:t>
             </a:r>
           </a:p>
           <a:p>
@@ -14191,7 +14243,6 @@
               <a:rPr lang="en-US" dirty="0" smtClean="0"/>
               <a:t>gas:		10</a:t>
             </a:r>
-            <a:endParaRPr lang="en-US" dirty="0" smtClean="0"/>
           </a:p>
         </p:txBody>
       </p:sp>
@@ -15776,15 +15827,7 @@
           <a:p>
             <a:r>
               <a:rPr lang="en-US" dirty="0" smtClean="0"/>
-              <a:t>Metadata-types:	</a:t>
-            </a:r>
-            <a:r>
-              <a:rPr lang="en-US" dirty="0" smtClean="0"/>
-              <a:t>	search</a:t>
-            </a:r>
-            <a:r>
-              <a:rPr lang="en-US" dirty="0" smtClean="0"/>
-              <a:t>: </a:t>
+              <a:t>Metadata-types:		search: </a:t>
             </a:r>
             <a:r>
               <a:rPr lang="en-US" dirty="0" err="1" smtClean="0"/>
@@ -20903,15 +20946,7 @@
           <a:p>
             <a:r>
               <a:rPr lang="en-US" dirty="0" smtClean="0"/>
-              <a:t>Metadata-types:	</a:t>
-            </a:r>
-            <a:r>
-              <a:rPr lang="en-US" dirty="0" smtClean="0"/>
-              <a:t>	14 </a:t>
-            </a:r>
-            <a:r>
-              <a:rPr lang="en-US" dirty="0" smtClean="0"/>
-              <a:t>(expendable)</a:t>
+              <a:t>Metadata-types:		14 (expendable)</a:t>
             </a:r>
           </a:p>
           <a:p>
